--- a/tutorial37/tutorial37.pptx
+++ b/tutorial37/tutorial37.pptx
@@ -4943,7 +4943,10 @@
           <a:bodyPr/>
           <a:lstStyle/>
           <a:p>
-            <a:endParaRPr lang="en-IN"/>
+            <a:r>
+              <a:rPr lang="en-IN"/>
+              <a:t>https://github.com/ronidas39/LLMtutorial/tree/main/tutorial37</a:t>
+            </a:r>
           </a:p>
         </p:txBody>
       </p:sp>
